--- a/PPT/Intern Projects.pptx
+++ b/PPT/Intern Projects.pptx
@@ -9163,12 +9163,12 @@
             <a:p>
               <a:pPr algn="ctr"/>
               <a:r>
-                <a:rPr lang="en-US" dirty="0" err="1" smtClean="0"/>
-                <a:t>ADO.Net</a:t>
+                <a:rPr lang="en-US" dirty="0" smtClean="0"/>
+                <a:t>ADO.NET/Entity </a:t>
               </a:r>
               <a:r>
                 <a:rPr lang="en-US" dirty="0" smtClean="0"/>
-                <a:t>/Entity Framework</a:t>
+                <a:t>Framework</a:t>
               </a:r>
               <a:endParaRPr lang="en-US" dirty="0"/>
             </a:p>
@@ -10062,8 +10062,8 @@
         </p:nvSpPr>
         <p:spPr>
           <a:xfrm>
-            <a:off x="305882" y="2202462"/>
-            <a:ext cx="8609518" cy="4510476"/>
+            <a:off x="305882" y="2144774"/>
+            <a:ext cx="8609518" cy="4568164"/>
           </a:xfrm>
           <a:prstGeom prst="rect">
             <a:avLst/>
@@ -10573,15 +10573,15 @@
             </a:pPr>
             <a:r>
               <a:rPr lang="en-US" b="1" dirty="0"/>
-              <a:t>Was built almost 10 years ago, with </a:t>
-            </a:r>
-            <a:r>
-              <a:rPr lang="en-US" b="1" dirty="0" err="1"/>
-              <a:t>.Net</a:t>
+              <a:t>Was built almost 10 years ago, with .</a:t>
+            </a:r>
+            <a:r>
+              <a:rPr lang="en-US" b="1" dirty="0" smtClean="0"/>
+              <a:t>NET </a:t>
             </a:r>
             <a:r>
               <a:rPr lang="en-US" b="1" dirty="0"/>
-              <a:t> 1.0 or </a:t>
+              <a:t>1.0 or </a:t>
             </a:r>
             <a:r>
               <a:rPr lang="en-US" b="1" dirty="0" smtClean="0"/>
